--- a/20200401_企画構想書案.pptx
+++ b/20200401_企画構想書案.pptx
@@ -207,7 +207,7 @@
           <a:p>
             <a:fld id="{97E048F8-9204-44C5-8C39-A4361C2AA933}" type="datetimeFigureOut">
               <a:rPr kumimoji="1" lang="ja-JP" altLang="en-US" smtClean="0"/>
-              <a:t>2020/4/10</a:t>
+              <a:t>2020/4/11</a:t>
             </a:fld>
             <a:endParaRPr kumimoji="1" lang="ja-JP" altLang="en-US"/>
           </a:p>
@@ -879,7 +879,7 @@
           <a:p>
             <a:fld id="{FFBFD849-A69D-4903-9F62-0C2D4947F700}" type="datetime1">
               <a:rPr kumimoji="1" lang="ja-JP" altLang="en-US" smtClean="0"/>
-              <a:t>2020/4/10</a:t>
+              <a:t>2020/4/11</a:t>
             </a:fld>
             <a:endParaRPr kumimoji="1" lang="ja-JP" altLang="en-US"/>
           </a:p>
@@ -1113,7 +1113,7 @@
           <a:p>
             <a:fld id="{CF15E644-D1A0-42E8-B249-626A5EA60782}" type="datetime1">
               <a:rPr kumimoji="1" lang="ja-JP" altLang="en-US" smtClean="0"/>
-              <a:t>2020/4/10</a:t>
+              <a:t>2020/4/11</a:t>
             </a:fld>
             <a:endParaRPr kumimoji="1" lang="ja-JP" altLang="en-US"/>
           </a:p>
@@ -1357,7 +1357,7 @@
           <a:p>
             <a:fld id="{2F2FBFF2-1660-417F-8742-07F23420660D}" type="datetime1">
               <a:rPr kumimoji="1" lang="ja-JP" altLang="en-US" smtClean="0"/>
-              <a:t>2020/4/10</a:t>
+              <a:t>2020/4/11</a:t>
             </a:fld>
             <a:endParaRPr kumimoji="1" lang="ja-JP" altLang="en-US"/>
           </a:p>
@@ -1591,7 +1591,7 @@
           <a:p>
             <a:fld id="{04BDD0C3-EAE7-4FCB-83C0-7DED9F8F7C99}" type="datetime1">
               <a:rPr kumimoji="1" lang="ja-JP" altLang="en-US" smtClean="0"/>
-              <a:t>2020/4/10</a:t>
+              <a:t>2020/4/11</a:t>
             </a:fld>
             <a:endParaRPr kumimoji="1" lang="ja-JP" altLang="en-US"/>
           </a:p>
@@ -1870,7 +1870,7 @@
           <a:p>
             <a:fld id="{DFF87212-85C7-44A2-9F3E-7E85A92FD486}" type="datetime1">
               <a:rPr kumimoji="1" lang="ja-JP" altLang="en-US" smtClean="0"/>
-              <a:t>2020/4/10</a:t>
+              <a:t>2020/4/11</a:t>
             </a:fld>
             <a:endParaRPr kumimoji="1" lang="ja-JP" altLang="en-US"/>
           </a:p>
@@ -2203,7 +2203,7 @@
           <a:p>
             <a:fld id="{2497C1A3-1BFA-476E-873E-B62980CF0646}" type="datetime1">
               <a:rPr kumimoji="1" lang="ja-JP" altLang="en-US" smtClean="0"/>
-              <a:t>2020/4/10</a:t>
+              <a:t>2020/4/11</a:t>
             </a:fld>
             <a:endParaRPr kumimoji="1" lang="ja-JP" altLang="en-US"/>
           </a:p>
@@ -2683,7 +2683,7 @@
           <a:p>
             <a:fld id="{A77B1059-4325-40E5-808B-13090E617847}" type="datetime1">
               <a:rPr kumimoji="1" lang="ja-JP" altLang="en-US" smtClean="0"/>
-              <a:t>2020/4/10</a:t>
+              <a:t>2020/4/11</a:t>
             </a:fld>
             <a:endParaRPr kumimoji="1" lang="ja-JP" altLang="en-US"/>
           </a:p>
@@ -2828,7 +2828,7 @@
           <a:p>
             <a:fld id="{3CAB878F-8022-4CA9-9BEA-4044E41AEB8B}" type="datetime1">
               <a:rPr kumimoji="1" lang="ja-JP" altLang="en-US" smtClean="0"/>
-              <a:t>2020/4/10</a:t>
+              <a:t>2020/4/11</a:t>
             </a:fld>
             <a:endParaRPr kumimoji="1" lang="ja-JP" altLang="en-US"/>
           </a:p>
@@ -2945,7 +2945,7 @@
           <a:p>
             <a:fld id="{19E1EAB5-C60F-43A4-90C6-A61D576C1565}" type="datetime1">
               <a:rPr kumimoji="1" lang="ja-JP" altLang="en-US" smtClean="0"/>
-              <a:t>2020/4/10</a:t>
+              <a:t>2020/4/11</a:t>
             </a:fld>
             <a:endParaRPr kumimoji="1" lang="ja-JP" altLang="en-US"/>
           </a:p>
@@ -3292,7 +3292,7 @@
           <a:p>
             <a:fld id="{AC77915C-5A1B-4414-AFA7-8C211165989B}" type="datetime1">
               <a:rPr kumimoji="1" lang="ja-JP" altLang="en-US" smtClean="0"/>
-              <a:t>2020/4/10</a:t>
+              <a:t>2020/4/11</a:t>
             </a:fld>
             <a:endParaRPr kumimoji="1" lang="ja-JP" altLang="en-US"/>
           </a:p>
@@ -3584,7 +3584,7 @@
           <a:p>
             <a:fld id="{1B50D69B-79C8-4C58-9D01-CC1F32E3C9A2}" type="datetime1">
               <a:rPr kumimoji="1" lang="ja-JP" altLang="en-US" smtClean="0"/>
-              <a:t>2020/4/10</a:t>
+              <a:t>2020/4/11</a:t>
             </a:fld>
             <a:endParaRPr kumimoji="1" lang="ja-JP" altLang="en-US"/>
           </a:p>
@@ -3861,7 +3861,7 @@
           <a:p>
             <a:fld id="{E11EF9F7-62BE-404E-AEE1-877643CE2CE0}" type="datetime1">
               <a:rPr kumimoji="1" lang="ja-JP" altLang="en-US" smtClean="0"/>
-              <a:t>2020/4/10</a:t>
+              <a:t>2020/4/11</a:t>
             </a:fld>
             <a:endParaRPr kumimoji="1" lang="ja-JP" altLang="en-US"/>
           </a:p>
@@ -4324,8 +4324,12 @@
               <a:rPr kumimoji="1" lang="en-US" altLang="ja-JP" sz="3600" dirty="0"/>
             </a:br>
             <a:r>
+              <a:rPr lang="ja-JP" altLang="en-US" sz="3600" dirty="0"/>
+              <a:t>体形</a:t>
+            </a:r>
+            <a:r>
               <a:rPr kumimoji="1" lang="ja-JP" altLang="en-US" sz="3600" dirty="0"/>
-              <a:t>スーツサイズ推定システム</a:t>
+              <a:t>推定システム</a:t>
             </a:r>
           </a:p>
         </p:txBody>
@@ -4348,7 +4352,7 @@
         </p:nvSpPr>
         <p:spPr>
           <a:xfrm>
-            <a:off x="1524000" y="4426193"/>
+            <a:off x="1576418" y="4379929"/>
             <a:ext cx="9144000" cy="593412"/>
           </a:xfrm>
         </p:spPr>

--- a/20200401_企画構想書案.pptx
+++ b/20200401_企画構想書案.pptx
@@ -14447,13 +14447,13 @@
         </p:nvSpPr>
         <p:spPr>
           <a:xfrm>
-            <a:off x="4864336" y="4705430"/>
-            <a:ext cx="2330107" cy="447711"/>
+            <a:off x="4864336" y="4231404"/>
+            <a:ext cx="2330107" cy="921737"/>
           </a:xfrm>
           <a:prstGeom prst="wedgeRoundRectCallout">
             <a:avLst>
-              <a:gd name="adj1" fmla="val 44548"/>
-              <a:gd name="adj2" fmla="val -115660"/>
+              <a:gd name="adj1" fmla="val 38299"/>
+              <a:gd name="adj2" fmla="val -84698"/>
               <a:gd name="adj3" fmla="val 16667"/>
             </a:avLst>
           </a:prstGeom>

--- a/20200401_企画構想書案.pptx
+++ b/20200401_企画構想書案.pptx
@@ -17040,7 +17040,7 @@
         </p:nvSpPr>
         <p:spPr>
           <a:xfrm>
-            <a:off x="4516604" y="1847497"/>
+            <a:off x="6001776" y="1847497"/>
             <a:ext cx="1934297" cy="531980"/>
           </a:xfrm>
           <a:prstGeom prst="rect">
@@ -17245,7 +17245,7 @@
         </p:nvSpPr>
         <p:spPr>
           <a:xfrm>
-            <a:off x="2582306" y="3884628"/>
+            <a:off x="4067478" y="3884628"/>
             <a:ext cx="1934298" cy="531980"/>
           </a:xfrm>
           <a:prstGeom prst="rect">
@@ -17451,7 +17451,7 @@
         </p:nvSpPr>
         <p:spPr>
           <a:xfrm>
-            <a:off x="3559264" y="1847496"/>
+            <a:off x="5044436" y="1847496"/>
             <a:ext cx="1934296" cy="1702627"/>
           </a:xfrm>
           <a:prstGeom prst="rect">
@@ -17656,7 +17656,7 @@
         </p:nvCxnSpPr>
         <p:spPr>
           <a:xfrm flipV="1">
-            <a:off x="2272420" y="1466662"/>
+            <a:off x="3757592" y="1466662"/>
             <a:ext cx="0" cy="3693813"/>
           </a:xfrm>
           <a:prstGeom prst="straightConnector1">
@@ -17700,7 +17700,7 @@
         </p:nvSpPr>
         <p:spPr>
           <a:xfrm>
-            <a:off x="1160452" y="791645"/>
+            <a:off x="2539050" y="791645"/>
             <a:ext cx="1528428" cy="738395"/>
           </a:xfrm>
           <a:prstGeom prst="rect">
@@ -17756,7 +17756,7 @@
         </p:nvCxnSpPr>
         <p:spPr>
           <a:xfrm flipV="1">
-            <a:off x="2154725" y="5045859"/>
+            <a:off x="3639897" y="5045859"/>
             <a:ext cx="4798336" cy="1"/>
           </a:xfrm>
           <a:prstGeom prst="straightConnector1">
@@ -17800,7 +17800,7 @@
         </p:nvSpPr>
         <p:spPr>
           <a:xfrm>
-            <a:off x="6760786" y="4791277"/>
+            <a:off x="8245958" y="4791277"/>
             <a:ext cx="1528428" cy="738395"/>
           </a:xfrm>
           <a:prstGeom prst="rect">
